--- a/Jobs_and_scheduling/Jobs and scheduling.pptx
+++ b/Jobs_and_scheduling/Jobs and scheduling.pptx
@@ -1073,6 +1073,30 @@
       </pc:docMkLst>
     </pc:docChg>
   </pc:docChgLst>
+  <pc:docChgLst>
+    <pc:chgData name="Jochen Mariën" userId="a4f8d9ed-3895-4365-b2d5-9432cb8a20d4" providerId="ADAL" clId="{9C667FD1-9362-4C5A-85A3-8D331A11165A}"/>
+    <pc:docChg chg="modSld">
+      <pc:chgData name="Jochen Mariën" userId="a4f8d9ed-3895-4365-b2d5-9432cb8a20d4" providerId="ADAL" clId="{9C667FD1-9362-4C5A-85A3-8D331A11165A}" dt="2019-12-09T13:12:48.796" v="0" actId="1076"/>
+      <pc:docMkLst>
+        <pc:docMk/>
+      </pc:docMkLst>
+      <pc:sldChg chg="modSp">
+        <pc:chgData name="Jochen Mariën" userId="a4f8d9ed-3895-4365-b2d5-9432cb8a20d4" providerId="ADAL" clId="{9C667FD1-9362-4C5A-85A3-8D331A11165A}" dt="2019-12-09T13:12:48.796" v="0" actId="1076"/>
+        <pc:sldMkLst>
+          <pc:docMk/>
+          <pc:sldMk cId="1574226467" sldId="303"/>
+        </pc:sldMkLst>
+        <pc:spChg chg="mod">
+          <ac:chgData name="Jochen Mariën" userId="a4f8d9ed-3895-4365-b2d5-9432cb8a20d4" providerId="ADAL" clId="{9C667FD1-9362-4C5A-85A3-8D331A11165A}" dt="2019-12-09T13:12:48.796" v="0" actId="1076"/>
+          <ac:spMkLst>
+            <pc:docMk/>
+            <pc:sldMk cId="1574226467" sldId="303"/>
+            <ac:spMk id="5" creationId="{7453A13F-6E9A-49BD-941B-D93C9A420A35}"/>
+          </ac:spMkLst>
+        </pc:spChg>
+      </pc:sldChg>
+    </pc:docChg>
+  </pc:docChgLst>
 </pc:chgInfo>
 </file>
 
@@ -1158,7 +1182,7 @@
           <a:p>
             <a:fld id="{3C1CD153-15DE-46E9-BB45-7F70E88D2337}" type="datetimeFigureOut">
               <a:rPr lang="nl-BE" smtClean="0"/>
-              <a:t>29/03/2018</a:t>
+              <a:t>9/12/2019</a:t>
             </a:fld>
             <a:endParaRPr lang="nl-BE"/>
           </a:p>
@@ -2996,7 +3020,7 @@
           <a:p>
             <a:fld id="{21F21368-17C6-4870-9BCB-BC49B72EC322}" type="datetimeFigureOut">
               <a:rPr lang="nl-BE" smtClean="0"/>
-              <a:t>29/03/2018</a:t>
+              <a:t>9/12/2019</a:t>
             </a:fld>
             <a:endParaRPr lang="nl-BE"/>
           </a:p>
@@ -3166,7 +3190,7 @@
           <a:p>
             <a:fld id="{21F21368-17C6-4870-9BCB-BC49B72EC322}" type="datetimeFigureOut">
               <a:rPr lang="nl-BE" smtClean="0"/>
-              <a:t>29/03/2018</a:t>
+              <a:t>9/12/2019</a:t>
             </a:fld>
             <a:endParaRPr lang="nl-BE"/>
           </a:p>
@@ -3346,7 +3370,7 @@
           <a:p>
             <a:fld id="{21F21368-17C6-4870-9BCB-BC49B72EC322}" type="datetimeFigureOut">
               <a:rPr lang="nl-BE" smtClean="0"/>
-              <a:t>29/03/2018</a:t>
+              <a:t>9/12/2019</a:t>
             </a:fld>
             <a:endParaRPr lang="nl-BE"/>
           </a:p>
@@ -3860,7 +3884,7 @@
           <a:p>
             <a:fld id="{21F21368-17C6-4870-9BCB-BC49B72EC322}" type="datetimeFigureOut">
               <a:rPr lang="nl-BE" smtClean="0"/>
-              <a:t>29/03/2018</a:t>
+              <a:t>9/12/2019</a:t>
             </a:fld>
             <a:endParaRPr lang="nl-BE"/>
           </a:p>
@@ -4106,7 +4130,7 @@
           <a:p>
             <a:fld id="{21F21368-17C6-4870-9BCB-BC49B72EC322}" type="datetimeFigureOut">
               <a:rPr lang="nl-BE" smtClean="0"/>
-              <a:t>29/03/2018</a:t>
+              <a:t>9/12/2019</a:t>
             </a:fld>
             <a:endParaRPr lang="nl-BE"/>
           </a:p>
@@ -4338,7 +4362,7 @@
           <a:p>
             <a:fld id="{21F21368-17C6-4870-9BCB-BC49B72EC322}" type="datetimeFigureOut">
               <a:rPr lang="nl-BE" smtClean="0"/>
-              <a:t>29/03/2018</a:t>
+              <a:t>9/12/2019</a:t>
             </a:fld>
             <a:endParaRPr lang="nl-BE"/>
           </a:p>
@@ -4705,7 +4729,7 @@
           <a:p>
             <a:fld id="{21F21368-17C6-4870-9BCB-BC49B72EC322}" type="datetimeFigureOut">
               <a:rPr lang="nl-BE" smtClean="0"/>
-              <a:t>29/03/2018</a:t>
+              <a:t>9/12/2019</a:t>
             </a:fld>
             <a:endParaRPr lang="nl-BE"/>
           </a:p>
@@ -4823,7 +4847,7 @@
           <a:p>
             <a:fld id="{21F21368-17C6-4870-9BCB-BC49B72EC322}" type="datetimeFigureOut">
               <a:rPr lang="nl-BE" smtClean="0"/>
-              <a:t>29/03/2018</a:t>
+              <a:t>9/12/2019</a:t>
             </a:fld>
             <a:endParaRPr lang="nl-BE"/>
           </a:p>
@@ -4918,7 +4942,7 @@
           <a:p>
             <a:fld id="{21F21368-17C6-4870-9BCB-BC49B72EC322}" type="datetimeFigureOut">
               <a:rPr lang="nl-BE" smtClean="0"/>
-              <a:t>29/03/2018</a:t>
+              <a:t>9/12/2019</a:t>
             </a:fld>
             <a:endParaRPr lang="nl-BE"/>
           </a:p>
@@ -5195,7 +5219,7 @@
           <a:p>
             <a:fld id="{21F21368-17C6-4870-9BCB-BC49B72EC322}" type="datetimeFigureOut">
               <a:rPr lang="nl-BE" smtClean="0"/>
-              <a:t>29/03/2018</a:t>
+              <a:t>9/12/2019</a:t>
             </a:fld>
             <a:endParaRPr lang="nl-BE"/>
           </a:p>
@@ -5452,7 +5476,7 @@
           <a:p>
             <a:fld id="{21F21368-17C6-4870-9BCB-BC49B72EC322}" type="datetimeFigureOut">
               <a:rPr lang="nl-BE" smtClean="0"/>
-              <a:t>29/03/2018</a:t>
+              <a:t>9/12/2019</a:t>
             </a:fld>
             <a:endParaRPr lang="nl-BE"/>
           </a:p>
@@ -5665,7 +5689,7 @@
           <a:p>
             <a:fld id="{21F21368-17C6-4870-9BCB-BC49B72EC322}" type="datetimeFigureOut">
               <a:rPr lang="nl-BE" smtClean="0"/>
-              <a:t>29/03/2018</a:t>
+              <a:t>9/12/2019</a:t>
             </a:fld>
             <a:endParaRPr lang="nl-BE"/>
           </a:p>
@@ -12185,7 +12209,7 @@
         </p:nvSpPr>
         <p:spPr>
           <a:xfrm>
-            <a:off x="1314893" y="1540916"/>
+            <a:off x="1314893" y="1529764"/>
             <a:ext cx="9562214" cy="1754326"/>
           </a:xfrm>
           <a:prstGeom prst="rect">

--- a/Jobs_and_scheduling/Jobs and scheduling.pptx
+++ b/Jobs_and_scheduling/Jobs and scheduling.pptx
@@ -1065,6 +1065,30 @@
     </pc:docChg>
   </pc:docChgLst>
   <pc:docChgLst>
+    <pc:chgData name="Jochen Mariën" userId="a4f8d9ed-3895-4365-b2d5-9432cb8a20d4" providerId="ADAL" clId="{221B0804-80CB-44A7-B9DF-1F3FE57E4F39}"/>
+    <pc:docChg chg="modSld">
+      <pc:chgData name="Jochen Mariën" userId="a4f8d9ed-3895-4365-b2d5-9432cb8a20d4" providerId="ADAL" clId="{221B0804-80CB-44A7-B9DF-1F3FE57E4F39}" dt="2021-01-22T12:39:42.702" v="0" actId="20577"/>
+      <pc:docMkLst>
+        <pc:docMk/>
+      </pc:docMkLst>
+      <pc:sldChg chg="modSp mod">
+        <pc:chgData name="Jochen Mariën" userId="a4f8d9ed-3895-4365-b2d5-9432cb8a20d4" providerId="ADAL" clId="{221B0804-80CB-44A7-B9DF-1F3FE57E4F39}" dt="2021-01-22T12:39:42.702" v="0" actId="20577"/>
+        <pc:sldMkLst>
+          <pc:docMk/>
+          <pc:sldMk cId="3888645072" sldId="300"/>
+        </pc:sldMkLst>
+        <pc:spChg chg="mod">
+          <ac:chgData name="Jochen Mariën" userId="a4f8d9ed-3895-4365-b2d5-9432cb8a20d4" providerId="ADAL" clId="{221B0804-80CB-44A7-B9DF-1F3FE57E4F39}" dt="2021-01-22T12:39:42.702" v="0" actId="20577"/>
+          <ac:spMkLst>
+            <pc:docMk/>
+            <pc:sldMk cId="3888645072" sldId="300"/>
+            <ac:spMk id="3" creationId="{3D74FA1E-37AB-4A1A-B447-D9780B0DFAC2}"/>
+          </ac:spMkLst>
+        </pc:spChg>
+      </pc:sldChg>
+    </pc:docChg>
+  </pc:docChgLst>
+  <pc:docChgLst>
     <pc:chgData name="Jochen Mariën" userId="a4f8d9ed-3895-4365-b2d5-9432cb8a20d4" providerId="ADAL" clId="{DF496528-2CF5-4248-9068-027C8F258ECC}"/>
     <pc:docChg chg="custSel addSld modSld">
       <pc:chgData name="Jochen Mariën" userId="a4f8d9ed-3895-4365-b2d5-9432cb8a20d4" providerId="ADAL" clId="{DF496528-2CF5-4248-9068-027C8F258ECC}" dt="2018-02-06T09:39:48.712" v="114" actId="1076"/>
@@ -1182,7 +1206,7 @@
           <a:p>
             <a:fld id="{3C1CD153-15DE-46E9-BB45-7F70E88D2337}" type="datetimeFigureOut">
               <a:rPr lang="nl-BE" smtClean="0"/>
-              <a:t>9/12/2019</a:t>
+              <a:t>22/01/2021</a:t>
             </a:fld>
             <a:endParaRPr lang="nl-BE"/>
           </a:p>
@@ -3020,7 +3044,7 @@
           <a:p>
             <a:fld id="{21F21368-17C6-4870-9BCB-BC49B72EC322}" type="datetimeFigureOut">
               <a:rPr lang="nl-BE" smtClean="0"/>
-              <a:t>9/12/2019</a:t>
+              <a:t>22/01/2021</a:t>
             </a:fld>
             <a:endParaRPr lang="nl-BE"/>
           </a:p>
@@ -3190,7 +3214,7 @@
           <a:p>
             <a:fld id="{21F21368-17C6-4870-9BCB-BC49B72EC322}" type="datetimeFigureOut">
               <a:rPr lang="nl-BE" smtClean="0"/>
-              <a:t>9/12/2019</a:t>
+              <a:t>22/01/2021</a:t>
             </a:fld>
             <a:endParaRPr lang="nl-BE"/>
           </a:p>
@@ -3370,7 +3394,7 @@
           <a:p>
             <a:fld id="{21F21368-17C6-4870-9BCB-BC49B72EC322}" type="datetimeFigureOut">
               <a:rPr lang="nl-BE" smtClean="0"/>
-              <a:t>9/12/2019</a:t>
+              <a:t>22/01/2021</a:t>
             </a:fld>
             <a:endParaRPr lang="nl-BE"/>
           </a:p>
@@ -3884,7 +3908,7 @@
           <a:p>
             <a:fld id="{21F21368-17C6-4870-9BCB-BC49B72EC322}" type="datetimeFigureOut">
               <a:rPr lang="nl-BE" smtClean="0"/>
-              <a:t>9/12/2019</a:t>
+              <a:t>22/01/2021</a:t>
             </a:fld>
             <a:endParaRPr lang="nl-BE"/>
           </a:p>
@@ -4130,7 +4154,7 @@
           <a:p>
             <a:fld id="{21F21368-17C6-4870-9BCB-BC49B72EC322}" type="datetimeFigureOut">
               <a:rPr lang="nl-BE" smtClean="0"/>
-              <a:t>9/12/2019</a:t>
+              <a:t>22/01/2021</a:t>
             </a:fld>
             <a:endParaRPr lang="nl-BE"/>
           </a:p>
@@ -4362,7 +4386,7 @@
           <a:p>
             <a:fld id="{21F21368-17C6-4870-9BCB-BC49B72EC322}" type="datetimeFigureOut">
               <a:rPr lang="nl-BE" smtClean="0"/>
-              <a:t>9/12/2019</a:t>
+              <a:t>22/01/2021</a:t>
             </a:fld>
             <a:endParaRPr lang="nl-BE"/>
           </a:p>
@@ -4729,7 +4753,7 @@
           <a:p>
             <a:fld id="{21F21368-17C6-4870-9BCB-BC49B72EC322}" type="datetimeFigureOut">
               <a:rPr lang="nl-BE" smtClean="0"/>
-              <a:t>9/12/2019</a:t>
+              <a:t>22/01/2021</a:t>
             </a:fld>
             <a:endParaRPr lang="nl-BE"/>
           </a:p>
@@ -4847,7 +4871,7 @@
           <a:p>
             <a:fld id="{21F21368-17C6-4870-9BCB-BC49B72EC322}" type="datetimeFigureOut">
               <a:rPr lang="nl-BE" smtClean="0"/>
-              <a:t>9/12/2019</a:t>
+              <a:t>22/01/2021</a:t>
             </a:fld>
             <a:endParaRPr lang="nl-BE"/>
           </a:p>
@@ -4942,7 +4966,7 @@
           <a:p>
             <a:fld id="{21F21368-17C6-4870-9BCB-BC49B72EC322}" type="datetimeFigureOut">
               <a:rPr lang="nl-BE" smtClean="0"/>
-              <a:t>9/12/2019</a:t>
+              <a:t>22/01/2021</a:t>
             </a:fld>
             <a:endParaRPr lang="nl-BE"/>
           </a:p>
@@ -5219,7 +5243,7 @@
           <a:p>
             <a:fld id="{21F21368-17C6-4870-9BCB-BC49B72EC322}" type="datetimeFigureOut">
               <a:rPr lang="nl-BE" smtClean="0"/>
-              <a:t>9/12/2019</a:t>
+              <a:t>22/01/2021</a:t>
             </a:fld>
             <a:endParaRPr lang="nl-BE"/>
           </a:p>
@@ -5476,7 +5500,7 @@
           <a:p>
             <a:fld id="{21F21368-17C6-4870-9BCB-BC49B72EC322}" type="datetimeFigureOut">
               <a:rPr lang="nl-BE" smtClean="0"/>
-              <a:t>9/12/2019</a:t>
+              <a:t>22/01/2021</a:t>
             </a:fld>
             <a:endParaRPr lang="nl-BE"/>
           </a:p>
@@ -5689,7 +5713,7 @@
           <a:p>
             <a:fld id="{21F21368-17C6-4870-9BCB-BC49B72EC322}" type="datetimeFigureOut">
               <a:rPr lang="nl-BE" smtClean="0"/>
-              <a:t>9/12/2019</a:t>
+              <a:t>22/01/2021</a:t>
             </a:fld>
             <a:endParaRPr lang="nl-BE"/>
           </a:p>
@@ -12032,7 +12056,7 @@
           <a:p>
             <a:r>
               <a:rPr lang="en-GB" dirty="0"/>
-              <a:t>First: create trigger an job options, and store both in a variable</a:t>
+              <a:t>First: create trigger and job options, and store both in a variable</a:t>
             </a:r>
           </a:p>
           <a:p>
